--- a/ApiExamples/Data/MyPresentation.pptx
+++ b/ApiExamples/Data/MyPresentation.pptx
@@ -155,7 +155,7 @@
           </a:lstStyle>
           <a:p>
             <a:r>
-              <a:rPr lang="en-US" smtClean="0"/>
+              <a:rPr lang="en-US"/>
               <a:t>Click to edit Master title style</a:t>
             </a:r>
             <a:endParaRPr lang="en-NZ"/>
@@ -220,7 +220,7 @@
           </a:lstStyle>
           <a:p>
             <a:r>
-              <a:rPr lang="en-US" smtClean="0"/>
+              <a:rPr lang="en-US"/>
               <a:t>Click to edit Master subtitle style</a:t>
             </a:r>
             <a:endParaRPr lang="en-NZ"/>
@@ -244,7 +244,7 @@
           <a:p>
             <a:fld id="{8E3C16FF-4030-4C8D-8ABD-6425A5A0B7C6}" type="datetimeFigureOut">
               <a:rPr lang="en-NZ" smtClean="0"/>
-              <a:t>22/08/2018</a:t>
+              <a:t>16/01/2020</a:t>
             </a:fld>
             <a:endParaRPr lang="en-NZ"/>
           </a:p>
@@ -338,7 +338,7 @@
           <a:lstStyle/>
           <a:p>
             <a:r>
-              <a:rPr lang="en-US" smtClean="0"/>
+              <a:rPr lang="en-US"/>
               <a:t>Click to edit Master title style</a:t>
             </a:r>
             <a:endParaRPr lang="en-NZ"/>
@@ -362,35 +362,35 @@
           <a:p>
             <a:pPr lvl="0"/>
             <a:r>
-              <a:rPr lang="en-US" smtClean="0"/>
+              <a:rPr lang="en-US"/>
               <a:t>Click to edit Master text styles</a:t>
             </a:r>
           </a:p>
           <a:p>
             <a:pPr lvl="1"/>
             <a:r>
-              <a:rPr lang="en-US" smtClean="0"/>
+              <a:rPr lang="en-US"/>
               <a:t>Second level</a:t>
             </a:r>
           </a:p>
           <a:p>
             <a:pPr lvl="2"/>
             <a:r>
-              <a:rPr lang="en-US" smtClean="0"/>
+              <a:rPr lang="en-US"/>
               <a:t>Third level</a:t>
             </a:r>
           </a:p>
           <a:p>
             <a:pPr lvl="3"/>
             <a:r>
-              <a:rPr lang="en-US" smtClean="0"/>
+              <a:rPr lang="en-US"/>
               <a:t>Fourth level</a:t>
             </a:r>
           </a:p>
           <a:p>
             <a:pPr lvl="4"/>
             <a:r>
-              <a:rPr lang="en-US" smtClean="0"/>
+              <a:rPr lang="en-US"/>
               <a:t>Fifth level</a:t>
             </a:r>
             <a:endParaRPr lang="en-NZ"/>
@@ -414,7 +414,7 @@
           <a:p>
             <a:fld id="{8E3C16FF-4030-4C8D-8ABD-6425A5A0B7C6}" type="datetimeFigureOut">
               <a:rPr lang="en-NZ" smtClean="0"/>
-              <a:t>22/08/2018</a:t>
+              <a:t>16/01/2020</a:t>
             </a:fld>
             <a:endParaRPr lang="en-NZ"/>
           </a:p>
@@ -513,7 +513,7 @@
           <a:lstStyle/>
           <a:p>
             <a:r>
-              <a:rPr lang="en-US" smtClean="0"/>
+              <a:rPr lang="en-US"/>
               <a:t>Click to edit Master title style</a:t>
             </a:r>
             <a:endParaRPr lang="en-NZ"/>
@@ -542,35 +542,35 @@
           <a:p>
             <a:pPr lvl="0"/>
             <a:r>
-              <a:rPr lang="en-US" smtClean="0"/>
+              <a:rPr lang="en-US"/>
               <a:t>Click to edit Master text styles</a:t>
             </a:r>
           </a:p>
           <a:p>
             <a:pPr lvl="1"/>
             <a:r>
-              <a:rPr lang="en-US" smtClean="0"/>
+              <a:rPr lang="en-US"/>
               <a:t>Second level</a:t>
             </a:r>
           </a:p>
           <a:p>
             <a:pPr lvl="2"/>
             <a:r>
-              <a:rPr lang="en-US" smtClean="0"/>
+              <a:rPr lang="en-US"/>
               <a:t>Third level</a:t>
             </a:r>
           </a:p>
           <a:p>
             <a:pPr lvl="3"/>
             <a:r>
-              <a:rPr lang="en-US" smtClean="0"/>
+              <a:rPr lang="en-US"/>
               <a:t>Fourth level</a:t>
             </a:r>
           </a:p>
           <a:p>
             <a:pPr lvl="4"/>
             <a:r>
-              <a:rPr lang="en-US" smtClean="0"/>
+              <a:rPr lang="en-US"/>
               <a:t>Fifth level</a:t>
             </a:r>
             <a:endParaRPr lang="en-NZ"/>
@@ -594,7 +594,7 @@
           <a:p>
             <a:fld id="{8E3C16FF-4030-4C8D-8ABD-6425A5A0B7C6}" type="datetimeFigureOut">
               <a:rPr lang="en-NZ" smtClean="0"/>
-              <a:t>22/08/2018</a:t>
+              <a:t>16/01/2020</a:t>
             </a:fld>
             <a:endParaRPr lang="en-NZ"/>
           </a:p>
@@ -688,7 +688,7 @@
           <a:lstStyle/>
           <a:p>
             <a:r>
-              <a:rPr lang="en-US" smtClean="0"/>
+              <a:rPr lang="en-US"/>
               <a:t>Click to edit Master title style</a:t>
             </a:r>
             <a:endParaRPr lang="en-NZ"/>
@@ -712,35 +712,35 @@
           <a:p>
             <a:pPr lvl="0"/>
             <a:r>
-              <a:rPr lang="en-US" smtClean="0"/>
+              <a:rPr lang="en-US"/>
               <a:t>Click to edit Master text styles</a:t>
             </a:r>
           </a:p>
           <a:p>
             <a:pPr lvl="1"/>
             <a:r>
-              <a:rPr lang="en-US" smtClean="0"/>
+              <a:rPr lang="en-US"/>
               <a:t>Second level</a:t>
             </a:r>
           </a:p>
           <a:p>
             <a:pPr lvl="2"/>
             <a:r>
-              <a:rPr lang="en-US" smtClean="0"/>
+              <a:rPr lang="en-US"/>
               <a:t>Third level</a:t>
             </a:r>
           </a:p>
           <a:p>
             <a:pPr lvl="3"/>
             <a:r>
-              <a:rPr lang="en-US" smtClean="0"/>
+              <a:rPr lang="en-US"/>
               <a:t>Fourth level</a:t>
             </a:r>
           </a:p>
           <a:p>
             <a:pPr lvl="4"/>
             <a:r>
-              <a:rPr lang="en-US" smtClean="0"/>
+              <a:rPr lang="en-US"/>
               <a:t>Fifth level</a:t>
             </a:r>
             <a:endParaRPr lang="en-NZ"/>
@@ -764,7 +764,7 @@
           <a:p>
             <a:fld id="{8E3C16FF-4030-4C8D-8ABD-6425A5A0B7C6}" type="datetimeFigureOut">
               <a:rPr lang="en-NZ" smtClean="0"/>
-              <a:t>22/08/2018</a:t>
+              <a:t>16/01/2020</a:t>
             </a:fld>
             <a:endParaRPr lang="en-NZ"/>
           </a:p>
@@ -867,7 +867,7 @@
           </a:lstStyle>
           <a:p>
             <a:r>
-              <a:rPr lang="en-US" smtClean="0"/>
+              <a:rPr lang="en-US"/>
               <a:t>Click to edit Master title style</a:t>
             </a:r>
             <a:endParaRPr lang="en-NZ"/>
@@ -987,7 +987,7 @@
           <a:p>
             <a:pPr lvl="0"/>
             <a:r>
-              <a:rPr lang="en-US" smtClean="0"/>
+              <a:rPr lang="en-US"/>
               <a:t>Click to edit Master text styles</a:t>
             </a:r>
           </a:p>
@@ -1010,7 +1010,7 @@
           <a:p>
             <a:fld id="{8E3C16FF-4030-4C8D-8ABD-6425A5A0B7C6}" type="datetimeFigureOut">
               <a:rPr lang="en-NZ" smtClean="0"/>
-              <a:t>22/08/2018</a:t>
+              <a:t>16/01/2020</a:t>
             </a:fld>
             <a:endParaRPr lang="en-NZ"/>
           </a:p>
@@ -1104,7 +1104,7 @@
           <a:lstStyle/>
           <a:p>
             <a:r>
-              <a:rPr lang="en-US" smtClean="0"/>
+              <a:rPr lang="en-US"/>
               <a:t>Click to edit Master title style</a:t>
             </a:r>
             <a:endParaRPr lang="en-NZ"/>
@@ -1133,35 +1133,35 @@
           <a:p>
             <a:pPr lvl="0"/>
             <a:r>
-              <a:rPr lang="en-US" smtClean="0"/>
+              <a:rPr lang="en-US"/>
               <a:t>Click to edit Master text styles</a:t>
             </a:r>
           </a:p>
           <a:p>
             <a:pPr lvl="1"/>
             <a:r>
-              <a:rPr lang="en-US" smtClean="0"/>
+              <a:rPr lang="en-US"/>
               <a:t>Second level</a:t>
             </a:r>
           </a:p>
           <a:p>
             <a:pPr lvl="2"/>
             <a:r>
-              <a:rPr lang="en-US" smtClean="0"/>
+              <a:rPr lang="en-US"/>
               <a:t>Third level</a:t>
             </a:r>
           </a:p>
           <a:p>
             <a:pPr lvl="3"/>
             <a:r>
-              <a:rPr lang="en-US" smtClean="0"/>
+              <a:rPr lang="en-US"/>
               <a:t>Fourth level</a:t>
             </a:r>
           </a:p>
           <a:p>
             <a:pPr lvl="4"/>
             <a:r>
-              <a:rPr lang="en-US" smtClean="0"/>
+              <a:rPr lang="en-US"/>
               <a:t>Fifth level</a:t>
             </a:r>
             <a:endParaRPr lang="en-NZ"/>
@@ -1190,35 +1190,35 @@
           <a:p>
             <a:pPr lvl="0"/>
             <a:r>
-              <a:rPr lang="en-US" smtClean="0"/>
+              <a:rPr lang="en-US"/>
               <a:t>Click to edit Master text styles</a:t>
             </a:r>
           </a:p>
           <a:p>
             <a:pPr lvl="1"/>
             <a:r>
-              <a:rPr lang="en-US" smtClean="0"/>
+              <a:rPr lang="en-US"/>
               <a:t>Second level</a:t>
             </a:r>
           </a:p>
           <a:p>
             <a:pPr lvl="2"/>
             <a:r>
-              <a:rPr lang="en-US" smtClean="0"/>
+              <a:rPr lang="en-US"/>
               <a:t>Third level</a:t>
             </a:r>
           </a:p>
           <a:p>
             <a:pPr lvl="3"/>
             <a:r>
-              <a:rPr lang="en-US" smtClean="0"/>
+              <a:rPr lang="en-US"/>
               <a:t>Fourth level</a:t>
             </a:r>
           </a:p>
           <a:p>
             <a:pPr lvl="4"/>
             <a:r>
-              <a:rPr lang="en-US" smtClean="0"/>
+              <a:rPr lang="en-US"/>
               <a:t>Fifth level</a:t>
             </a:r>
             <a:endParaRPr lang="en-NZ"/>
@@ -1242,7 +1242,7 @@
           <a:p>
             <a:fld id="{8E3C16FF-4030-4C8D-8ABD-6425A5A0B7C6}" type="datetimeFigureOut">
               <a:rPr lang="en-NZ" smtClean="0"/>
-              <a:t>22/08/2018</a:t>
+              <a:t>16/01/2020</a:t>
             </a:fld>
             <a:endParaRPr lang="en-NZ"/>
           </a:p>
@@ -1341,7 +1341,7 @@
           <a:lstStyle/>
           <a:p>
             <a:r>
-              <a:rPr lang="en-US" smtClean="0"/>
+              <a:rPr lang="en-US"/>
               <a:t>Click to edit Master title style</a:t>
             </a:r>
             <a:endParaRPr lang="en-NZ"/>
@@ -1407,7 +1407,7 @@
           <a:p>
             <a:pPr lvl="0"/>
             <a:r>
-              <a:rPr lang="en-US" smtClean="0"/>
+              <a:rPr lang="en-US"/>
               <a:t>Click to edit Master text styles</a:t>
             </a:r>
           </a:p>
@@ -1435,35 +1435,35 @@
           <a:p>
             <a:pPr lvl="0"/>
             <a:r>
-              <a:rPr lang="en-US" smtClean="0"/>
+              <a:rPr lang="en-US"/>
               <a:t>Click to edit Master text styles</a:t>
             </a:r>
           </a:p>
           <a:p>
             <a:pPr lvl="1"/>
             <a:r>
-              <a:rPr lang="en-US" smtClean="0"/>
+              <a:rPr lang="en-US"/>
               <a:t>Second level</a:t>
             </a:r>
           </a:p>
           <a:p>
             <a:pPr lvl="2"/>
             <a:r>
-              <a:rPr lang="en-US" smtClean="0"/>
+              <a:rPr lang="en-US"/>
               <a:t>Third level</a:t>
             </a:r>
           </a:p>
           <a:p>
             <a:pPr lvl="3"/>
             <a:r>
-              <a:rPr lang="en-US" smtClean="0"/>
+              <a:rPr lang="en-US"/>
               <a:t>Fourth level</a:t>
             </a:r>
           </a:p>
           <a:p>
             <a:pPr lvl="4"/>
             <a:r>
-              <a:rPr lang="en-US" smtClean="0"/>
+              <a:rPr lang="en-US"/>
               <a:t>Fifth level</a:t>
             </a:r>
             <a:endParaRPr lang="en-NZ"/>
@@ -1529,7 +1529,7 @@
           <a:p>
             <a:pPr lvl="0"/>
             <a:r>
-              <a:rPr lang="en-US" smtClean="0"/>
+              <a:rPr lang="en-US"/>
               <a:t>Click to edit Master text styles</a:t>
             </a:r>
           </a:p>
@@ -1557,35 +1557,35 @@
           <a:p>
             <a:pPr lvl="0"/>
             <a:r>
-              <a:rPr lang="en-US" smtClean="0"/>
+              <a:rPr lang="en-US"/>
               <a:t>Click to edit Master text styles</a:t>
             </a:r>
           </a:p>
           <a:p>
             <a:pPr lvl="1"/>
             <a:r>
-              <a:rPr lang="en-US" smtClean="0"/>
+              <a:rPr lang="en-US"/>
               <a:t>Second level</a:t>
             </a:r>
           </a:p>
           <a:p>
             <a:pPr lvl="2"/>
             <a:r>
-              <a:rPr lang="en-US" smtClean="0"/>
+              <a:rPr lang="en-US"/>
               <a:t>Third level</a:t>
             </a:r>
           </a:p>
           <a:p>
             <a:pPr lvl="3"/>
             <a:r>
-              <a:rPr lang="en-US" smtClean="0"/>
+              <a:rPr lang="en-US"/>
               <a:t>Fourth level</a:t>
             </a:r>
           </a:p>
           <a:p>
             <a:pPr lvl="4"/>
             <a:r>
-              <a:rPr lang="en-US" smtClean="0"/>
+              <a:rPr lang="en-US"/>
               <a:t>Fifth level</a:t>
             </a:r>
             <a:endParaRPr lang="en-NZ"/>
@@ -1609,7 +1609,7 @@
           <a:p>
             <a:fld id="{8E3C16FF-4030-4C8D-8ABD-6425A5A0B7C6}" type="datetimeFigureOut">
               <a:rPr lang="en-NZ" smtClean="0"/>
-              <a:t>22/08/2018</a:t>
+              <a:t>16/01/2020</a:t>
             </a:fld>
             <a:endParaRPr lang="en-NZ"/>
           </a:p>
@@ -1703,7 +1703,7 @@
           <a:lstStyle/>
           <a:p>
             <a:r>
-              <a:rPr lang="en-US" smtClean="0"/>
+              <a:rPr lang="en-US"/>
               <a:t>Click to edit Master title style</a:t>
             </a:r>
             <a:endParaRPr lang="en-NZ"/>
@@ -1727,7 +1727,7 @@
           <a:p>
             <a:fld id="{8E3C16FF-4030-4C8D-8ABD-6425A5A0B7C6}" type="datetimeFigureOut">
               <a:rPr lang="en-NZ" smtClean="0"/>
-              <a:t>22/08/2018</a:t>
+              <a:t>16/01/2020</a:t>
             </a:fld>
             <a:endParaRPr lang="en-NZ"/>
           </a:p>
@@ -1822,7 +1822,7 @@
           <a:p>
             <a:fld id="{8E3C16FF-4030-4C8D-8ABD-6425A5A0B7C6}" type="datetimeFigureOut">
               <a:rPr lang="en-NZ" smtClean="0"/>
-              <a:t>22/08/2018</a:t>
+              <a:t>16/01/2020</a:t>
             </a:fld>
             <a:endParaRPr lang="en-NZ"/>
           </a:p>
@@ -1925,7 +1925,7 @@
           </a:lstStyle>
           <a:p>
             <a:r>
-              <a:rPr lang="en-US" smtClean="0"/>
+              <a:rPr lang="en-US"/>
               <a:t>Click to edit Master title style</a:t>
             </a:r>
             <a:endParaRPr lang="en-NZ"/>
@@ -1982,35 +1982,35 @@
           <a:p>
             <a:pPr lvl="0"/>
             <a:r>
-              <a:rPr lang="en-US" smtClean="0"/>
+              <a:rPr lang="en-US"/>
               <a:t>Click to edit Master text styles</a:t>
             </a:r>
           </a:p>
           <a:p>
             <a:pPr lvl="1"/>
             <a:r>
-              <a:rPr lang="en-US" smtClean="0"/>
+              <a:rPr lang="en-US"/>
               <a:t>Second level</a:t>
             </a:r>
           </a:p>
           <a:p>
             <a:pPr lvl="2"/>
             <a:r>
-              <a:rPr lang="en-US" smtClean="0"/>
+              <a:rPr lang="en-US"/>
               <a:t>Third level</a:t>
             </a:r>
           </a:p>
           <a:p>
             <a:pPr lvl="3"/>
             <a:r>
-              <a:rPr lang="en-US" smtClean="0"/>
+              <a:rPr lang="en-US"/>
               <a:t>Fourth level</a:t>
             </a:r>
           </a:p>
           <a:p>
             <a:pPr lvl="4"/>
             <a:r>
-              <a:rPr lang="en-US" smtClean="0"/>
+              <a:rPr lang="en-US"/>
               <a:t>Fifth level</a:t>
             </a:r>
             <a:endParaRPr lang="en-NZ"/>
@@ -2076,7 +2076,7 @@
           <a:p>
             <a:pPr lvl="0"/>
             <a:r>
-              <a:rPr lang="en-US" smtClean="0"/>
+              <a:rPr lang="en-US"/>
               <a:t>Click to edit Master text styles</a:t>
             </a:r>
           </a:p>
@@ -2099,7 +2099,7 @@
           <a:p>
             <a:fld id="{8E3C16FF-4030-4C8D-8ABD-6425A5A0B7C6}" type="datetimeFigureOut">
               <a:rPr lang="en-NZ" smtClean="0"/>
-              <a:t>22/08/2018</a:t>
+              <a:t>16/01/2020</a:t>
             </a:fld>
             <a:endParaRPr lang="en-NZ"/>
           </a:p>
@@ -2202,7 +2202,7 @@
           </a:lstStyle>
           <a:p>
             <a:r>
-              <a:rPr lang="en-US" smtClean="0"/>
+              <a:rPr lang="en-US"/>
               <a:t>Click to edit Master title style</a:t>
             </a:r>
             <a:endParaRPr lang="en-NZ"/>
@@ -2329,7 +2329,7 @@
           <a:p>
             <a:pPr lvl="0"/>
             <a:r>
-              <a:rPr lang="en-US" smtClean="0"/>
+              <a:rPr lang="en-US"/>
               <a:t>Click to edit Master text styles</a:t>
             </a:r>
           </a:p>
@@ -2352,7 +2352,7 @@
           <a:p>
             <a:fld id="{8E3C16FF-4030-4C8D-8ABD-6425A5A0B7C6}" type="datetimeFigureOut">
               <a:rPr lang="en-NZ" smtClean="0"/>
-              <a:t>22/08/2018</a:t>
+              <a:t>16/01/2020</a:t>
             </a:fld>
             <a:endParaRPr lang="en-NZ"/>
           </a:p>
@@ -2461,7 +2461,7 @@
           <a:lstStyle/>
           <a:p>
             <a:r>
-              <a:rPr lang="en-US" smtClean="0"/>
+              <a:rPr lang="en-US"/>
               <a:t>Click to edit Master title style</a:t>
             </a:r>
             <a:endParaRPr lang="en-NZ"/>
@@ -2495,35 +2495,35 @@
           <a:p>
             <a:pPr lvl="0"/>
             <a:r>
-              <a:rPr lang="en-US" smtClean="0"/>
+              <a:rPr lang="en-US"/>
               <a:t>Click to edit Master text styles</a:t>
             </a:r>
           </a:p>
           <a:p>
             <a:pPr lvl="1"/>
             <a:r>
-              <a:rPr lang="en-US" smtClean="0"/>
+              <a:rPr lang="en-US"/>
               <a:t>Second level</a:t>
             </a:r>
           </a:p>
           <a:p>
             <a:pPr lvl="2"/>
             <a:r>
-              <a:rPr lang="en-US" smtClean="0"/>
+              <a:rPr lang="en-US"/>
               <a:t>Third level</a:t>
             </a:r>
           </a:p>
           <a:p>
             <a:pPr lvl="3"/>
             <a:r>
-              <a:rPr lang="en-US" smtClean="0"/>
+              <a:rPr lang="en-US"/>
               <a:t>Fourth level</a:t>
             </a:r>
           </a:p>
           <a:p>
             <a:pPr lvl="4"/>
             <a:r>
-              <a:rPr lang="en-US" smtClean="0"/>
+              <a:rPr lang="en-US"/>
               <a:t>Fifth level</a:t>
             </a:r>
             <a:endParaRPr lang="en-NZ"/>
@@ -2565,7 +2565,7 @@
           <a:p>
             <a:fld id="{8E3C16FF-4030-4C8D-8ABD-6425A5A0B7C6}" type="datetimeFigureOut">
               <a:rPr lang="en-NZ" smtClean="0"/>
-              <a:t>22/08/2018</a:t>
+              <a:t>16/01/2020</a:t>
             </a:fld>
             <a:endParaRPr lang="en-NZ"/>
           </a:p>
@@ -2986,32 +2986,32 @@
           <a:lstStyle/>
           <a:p>
             <a:r>
-              <a:rPr lang="en-NZ" dirty="0" smtClean="0"/>
-              <a:t>Sample PPT</a:t>
+              <a:rPr lang="en-NZ" dirty="0"/>
+              <a:t>Sample PowerPoint Presentation</a:t>
+            </a:r>
+          </a:p>
+        </p:txBody>
+      </p:sp>
+      <p:sp>
+        <p:nvSpPr>
+          <p:cNvPr id="3" name="Subtitle 2"/>
+          <p:cNvSpPr>
+            <a:spLocks noGrp="1"/>
+          </p:cNvSpPr>
+          <p:nvPr>
+            <p:ph type="subTitle" idx="1"/>
+          </p:nvPr>
+        </p:nvSpPr>
+        <p:spPr/>
+        <p:txBody>
+          <a:bodyPr/>
+          <a:lstStyle/>
+          <a:p>
+            <a:r>
+              <a:rPr lang="en-NZ"/>
+              <a:t>Hello world!</a:t>
             </a:r>
             <a:endParaRPr lang="en-NZ" dirty="0"/>
-          </a:p>
-        </p:txBody>
-      </p:sp>
-      <p:sp>
-        <p:nvSpPr>
-          <p:cNvPr id="3" name="Subtitle 2"/>
-          <p:cNvSpPr>
-            <a:spLocks noGrp="1"/>
-          </p:cNvSpPr>
-          <p:nvPr>
-            <p:ph type="subTitle" idx="1"/>
-          </p:nvPr>
-        </p:nvSpPr>
-        <p:spPr/>
-        <p:txBody>
-          <a:bodyPr/>
-          <a:lstStyle/>
-          <a:p>
-            <a:r>
-              <a:rPr lang="en-NZ" dirty="0" smtClean="0"/>
-              <a:t>My Subtitle</a:t>
-            </a:r>
           </a:p>
         </p:txBody>
       </p:sp>
@@ -3061,10 +3061,9 @@
           <a:lstStyle/>
           <a:p>
             <a:r>
-              <a:rPr lang="en-NZ" smtClean="0"/>
+              <a:rPr lang="en-NZ"/>
               <a:t>Page 1</a:t>
             </a:r>
-            <a:endParaRPr lang="en-NZ"/>
           </a:p>
         </p:txBody>
       </p:sp>
@@ -3084,14 +3083,13 @@
           <a:lstStyle/>
           <a:p>
             <a:r>
-              <a:rPr lang="en-NZ" dirty="0" smtClean="0"/>
+              <a:rPr lang="en-NZ" dirty="0"/>
               <a:t>Page </a:t>
             </a:r>
             <a:r>
-              <a:rPr lang="en-NZ" smtClean="0"/>
+              <a:rPr lang="en-NZ"/>
               <a:t>1 contents</a:t>
             </a:r>
-            <a:endParaRPr lang="en-NZ"/>
           </a:p>
         </p:txBody>
       </p:sp>
